--- a/02_slides/Statistics for Linguists_2023_10_18.pptx
+++ b/02_slides/Statistics for Linguists_2023_10_18.pptx
@@ -269,7 +269,7 @@
           <a:p>
             <a:fld id="{F7E0E6EA-D48B-4586-A5A1-B029554A4C3B}" type="datetimeFigureOut">
               <a:rPr lang="es-BO" smtClean="0"/>
-              <a:t>21/10/2023</a:t>
+              <a:t>30/11/2023</a:t>
             </a:fld>
             <a:endParaRPr lang="es-BO"/>
           </a:p>
@@ -469,7 +469,7 @@
           <a:p>
             <a:fld id="{F7E0E6EA-D48B-4586-A5A1-B029554A4C3B}" type="datetimeFigureOut">
               <a:rPr lang="es-BO" smtClean="0"/>
-              <a:t>21/10/2023</a:t>
+              <a:t>30/11/2023</a:t>
             </a:fld>
             <a:endParaRPr lang="es-BO"/>
           </a:p>
@@ -679,7 +679,7 @@
           <a:p>
             <a:fld id="{F7E0E6EA-D48B-4586-A5A1-B029554A4C3B}" type="datetimeFigureOut">
               <a:rPr lang="es-BO" smtClean="0"/>
-              <a:t>21/10/2023</a:t>
+              <a:t>30/11/2023</a:t>
             </a:fld>
             <a:endParaRPr lang="es-BO"/>
           </a:p>
@@ -879,7 +879,7 @@
           <a:p>
             <a:fld id="{F7E0E6EA-D48B-4586-A5A1-B029554A4C3B}" type="datetimeFigureOut">
               <a:rPr lang="es-BO" smtClean="0"/>
-              <a:t>21/10/2023</a:t>
+              <a:t>30/11/2023</a:t>
             </a:fld>
             <a:endParaRPr lang="es-BO"/>
           </a:p>
@@ -1155,7 +1155,7 @@
           <a:p>
             <a:fld id="{F7E0E6EA-D48B-4586-A5A1-B029554A4C3B}" type="datetimeFigureOut">
               <a:rPr lang="es-BO" smtClean="0"/>
-              <a:t>21/10/2023</a:t>
+              <a:t>30/11/2023</a:t>
             </a:fld>
             <a:endParaRPr lang="es-BO"/>
           </a:p>
@@ -1423,7 +1423,7 @@
           <a:p>
             <a:fld id="{F7E0E6EA-D48B-4586-A5A1-B029554A4C3B}" type="datetimeFigureOut">
               <a:rPr lang="es-BO" smtClean="0"/>
-              <a:t>21/10/2023</a:t>
+              <a:t>30/11/2023</a:t>
             </a:fld>
             <a:endParaRPr lang="es-BO"/>
           </a:p>
@@ -1838,7 +1838,7 @@
           <a:p>
             <a:fld id="{F7E0E6EA-D48B-4586-A5A1-B029554A4C3B}" type="datetimeFigureOut">
               <a:rPr lang="es-BO" smtClean="0"/>
-              <a:t>21/10/2023</a:t>
+              <a:t>30/11/2023</a:t>
             </a:fld>
             <a:endParaRPr lang="es-BO"/>
           </a:p>
@@ -1980,7 +1980,7 @@
           <a:p>
             <a:fld id="{F7E0E6EA-D48B-4586-A5A1-B029554A4C3B}" type="datetimeFigureOut">
               <a:rPr lang="es-BO" smtClean="0"/>
-              <a:t>21/10/2023</a:t>
+              <a:t>30/11/2023</a:t>
             </a:fld>
             <a:endParaRPr lang="es-BO"/>
           </a:p>
@@ -2093,7 +2093,7 @@
           <a:p>
             <a:fld id="{F7E0E6EA-D48B-4586-A5A1-B029554A4C3B}" type="datetimeFigureOut">
               <a:rPr lang="es-BO" smtClean="0"/>
-              <a:t>21/10/2023</a:t>
+              <a:t>30/11/2023</a:t>
             </a:fld>
             <a:endParaRPr lang="es-BO"/>
           </a:p>
@@ -2406,7 +2406,7 @@
           <a:p>
             <a:fld id="{F7E0E6EA-D48B-4586-A5A1-B029554A4C3B}" type="datetimeFigureOut">
               <a:rPr lang="es-BO" smtClean="0"/>
-              <a:t>21/10/2023</a:t>
+              <a:t>30/11/2023</a:t>
             </a:fld>
             <a:endParaRPr lang="es-BO"/>
           </a:p>
@@ -2695,7 +2695,7 @@
           <a:p>
             <a:fld id="{F7E0E6EA-D48B-4586-A5A1-B029554A4C3B}" type="datetimeFigureOut">
               <a:rPr lang="es-BO" smtClean="0"/>
-              <a:t>21/10/2023</a:t>
+              <a:t>30/11/2023</a:t>
             </a:fld>
             <a:endParaRPr lang="es-BO"/>
           </a:p>
@@ -2938,7 +2938,7 @@
           <a:p>
             <a:fld id="{F7E0E6EA-D48B-4586-A5A1-B029554A4C3B}" type="datetimeFigureOut">
               <a:rPr lang="es-BO" smtClean="0"/>
-              <a:t>21/10/2023</a:t>
+              <a:t>30/11/2023</a:t>
             </a:fld>
             <a:endParaRPr lang="es-BO"/>
           </a:p>
